--- a/lecture notes/from Modeling to Continuous-time LQ/powerpoint_handouts (work in progress)/06-State-Space Dynamic System Models (imcmp-handout-dark) - pub.pptx
+++ b/lecture notes/from Modeling to Continuous-time LQ/powerpoint_handouts (work in progress)/06-State-Space Dynamic System Models (imcmp-handout-dark) - pub.pptx
@@ -907,7 +907,7 @@
           <a:p>
             <a:fld id="{1D8BD707-D9CF-40AE-B4C6-C98DA3205C09}" type="datetimeFigureOut">
               <a:rPr lang="en-US"/>
-              <a:t>9/19/2025</a:t>
+              <a:t>9/19/25</a:t>
             </a:fld>
             <a:endParaRPr lang="en-US"/>
           </a:p>
@@ -1163,7 +1163,7 @@
           <a:p>
             <a:fld id="{1D8BD707-D9CF-40AE-B4C6-C98DA3205C09}" type="datetimeFigureOut">
               <a:rPr lang="en-US"/>
-              <a:t>9/19/2025</a:t>
+              <a:t>9/19/25</a:t>
             </a:fld>
             <a:endParaRPr lang="en-US"/>
           </a:p>
@@ -1456,7 +1456,7 @@
           <a:p>
             <a:fld id="{1D8BD707-D9CF-40AE-B4C6-C98DA3205C09}" type="datetimeFigureOut">
               <a:rPr lang="en-US"/>
-              <a:t>9/19/2025</a:t>
+              <a:t>9/19/25</a:t>
             </a:fld>
             <a:endParaRPr lang="en-US"/>
           </a:p>
@@ -1683,7 +1683,7 @@
           <a:p>
             <a:fld id="{1D8BD707-D9CF-40AE-B4C6-C98DA3205C09}" type="datetimeFigureOut">
               <a:rPr lang="en-US"/>
-              <a:t>9/19/2025</a:t>
+              <a:t>9/19/25</a:t>
             </a:fld>
             <a:endParaRPr lang="en-US"/>
           </a:p>
@@ -1939,7 +1939,7 @@
           <a:p>
             <a:fld id="{1D8BD707-D9CF-40AE-B4C6-C98DA3205C09}" type="datetimeFigureOut">
               <a:rPr lang="en-US"/>
-              <a:t>9/19/2025</a:t>
+              <a:t>9/19/25</a:t>
             </a:fld>
             <a:endParaRPr lang="en-US"/>
           </a:p>
@@ -2343,7 +2343,7 @@
           <a:p>
             <a:fld id="{1D8BD707-D9CF-40AE-B4C6-C98DA3205C09}" type="datetimeFigureOut">
               <a:rPr lang="en-US"/>
-              <a:t>9/19/2025</a:t>
+              <a:t>9/19/25</a:t>
             </a:fld>
             <a:endParaRPr lang="en-US"/>
           </a:p>
@@ -4773,7 +4773,7 @@
             </p:nvSpPr>
             <p:spPr>
               <a:xfrm>
-                <a:off x="-46456" y="1806575"/>
+                <a:off x="-46456" y="1917995"/>
                 <a:ext cx="4713706" cy="1564980"/>
               </a:xfrm>
               <a:prstGeom prst="rect">
@@ -5929,7 +5929,7 @@
             </p:nvSpPr>
             <p:spPr>
               <a:xfrm>
-                <a:off x="-46456" y="1806575"/>
+                <a:off x="-46456" y="1917995"/>
                 <a:ext cx="4713706" cy="1564980"/>
               </a:xfrm>
               <a:prstGeom prst="rect">
@@ -5938,7 +5938,7 @@
               <a:blipFill>
                 <a:blip r:embed="rId4"/>
                 <a:stretch>
-                  <a:fillRect l="-129"/>
+                  <a:fillRect l="-1613" t="-806"/>
                 </a:stretch>
               </a:blipFill>
             </p:spPr>
@@ -5947,7 +5947,7 @@
               <a:lstStyle/>
               <a:p>
                 <a:r>
-                  <a:rPr lang="zh-CN" altLang="en-US">
+                  <a:rPr lang="en-US">
                     <a:noFill/>
                   </a:rPr>
                   <a:t> </a:t>
@@ -22685,8 +22685,8 @@
           </a:p>
         </p:txBody>
       </p:sp>
-      <mc:AlternateContent xmlns:mc="http://schemas.openxmlformats.org/markup-compatibility/2006">
-        <mc:Choice xmlns:a14="http://schemas.microsoft.com/office/drawing/2010/main" Requires="a14">
+      <mc:AlternateContent xmlns:mc="http://schemas.openxmlformats.org/markup-compatibility/2006" xmlns:a14="http://schemas.microsoft.com/office/drawing/2010/main">
+        <mc:Choice Requires="a14">
           <p:sp>
             <p:nvSpPr>
               <p:cNvPr id="4" name="object 31">
@@ -22894,7 +22894,7 @@
             </p:txBody>
           </p:sp>
         </mc:Choice>
-        <mc:Fallback>
+        <mc:Fallback xmlns="">
           <p:sp>
             <p:nvSpPr>
               <p:cNvPr id="4" name="object 31">
@@ -27225,8 +27225,8 @@
           </a:p>
         </p:txBody>
       </p:sp>
-      <mc:AlternateContent xmlns:mc="http://schemas.openxmlformats.org/markup-compatibility/2006" xmlns:a14="http://schemas.microsoft.com/office/drawing/2010/main">
-        <mc:Choice Requires="a14">
+      <mc:AlternateContent xmlns:mc="http://schemas.openxmlformats.org/markup-compatibility/2006">
+        <mc:Choice xmlns:a14="http://schemas.microsoft.com/office/drawing/2010/main" Requires="a14">
           <p:sp>
             <p:nvSpPr>
               <p:cNvPr id="34" name="Content Placeholder 2">
@@ -27244,7 +27244,7 @@
             <p:spPr>
               <a:xfrm>
                 <a:off x="247650" y="2035175"/>
-                <a:ext cx="4150995" cy="712311"/>
+                <a:ext cx="4150995" cy="873252"/>
               </a:xfrm>
               <a:prstGeom prst="rect">
                 <a:avLst/>
@@ -27521,9 +27521,8 @@
                                     </m:ctrlPr>
                                   </m:limLowPr>
                                   <m:e>
-                                    <m:groupChr>
-                                      <m:groupChrPr>
-                                        <m:chr m:val="⏟"/>
+                                    <m:eqArr>
+                                      <m:eqArrPr>
                                         <m:ctrlPr>
                                           <a:rPr lang="en-US" altLang="zh-CN" i="1" smtClean="0">
                                             <a:solidFill>
@@ -27532,28 +27531,20 @@
                                             <a:latin typeface="Cambria Math" panose="02040503050406030204" pitchFamily="18" charset="0"/>
                                           </a:rPr>
                                         </m:ctrlPr>
-                                      </m:groupChrPr>
+                                      </m:eqArrPr>
                                       <m:e>
-                                        <m:r>
-                                          <a:rPr lang="ar-AE" altLang="zh-CN">
-                                            <a:solidFill>
-                                              <a:schemeClr val="bg1"/>
-                                            </a:solidFill>
-                                            <a:latin typeface="Cambria Math" panose="02040503050406030204" pitchFamily="18" charset="0"/>
-                                          </a:rPr>
-                                          <m:t>𝑣</m:t>
-                                        </m:r>
-                                        <m:d>
-                                          <m:dPr>
+                                        <m:groupChr>
+                                          <m:groupChrPr>
+                                            <m:chr m:val="⏟"/>
                                             <m:ctrlPr>
-                                              <a:rPr lang="ar-AE" altLang="zh-CN" i="1">
+                                              <a:rPr lang="en-US" altLang="zh-CN" i="1" smtClean="0">
                                                 <a:solidFill>
                                                   <a:schemeClr val="bg1"/>
                                                 </a:solidFill>
                                                 <a:latin typeface="Cambria Math" panose="02040503050406030204" pitchFamily="18" charset="0"/>
                                               </a:rPr>
                                             </m:ctrlPr>
-                                          </m:dPr>
+                                          </m:groupChrPr>
                                           <m:e>
                                             <m:r>
                                               <a:rPr lang="ar-AE" altLang="zh-CN">
@@ -27562,12 +27553,36 @@
                                                 </a:solidFill>
                                                 <a:latin typeface="Cambria Math" panose="02040503050406030204" pitchFamily="18" charset="0"/>
                                               </a:rPr>
-                                              <m:t>𝑡</m:t>
+                                              <m:t>𝑣</m:t>
                                             </m:r>
+                                            <m:d>
+                                              <m:dPr>
+                                                <m:ctrlPr>
+                                                  <a:rPr lang="ar-AE" altLang="zh-CN" i="1">
+                                                    <a:solidFill>
+                                                      <a:schemeClr val="bg1"/>
+                                                    </a:solidFill>
+                                                    <a:latin typeface="Cambria Math" panose="02040503050406030204" pitchFamily="18" charset="0"/>
+                                                  </a:rPr>
+                                                </m:ctrlPr>
+                                              </m:dPr>
+                                              <m:e>
+                                                <m:r>
+                                                  <a:rPr lang="ar-AE" altLang="zh-CN">
+                                                    <a:solidFill>
+                                                      <a:schemeClr val="bg1"/>
+                                                    </a:solidFill>
+                                                    <a:latin typeface="Cambria Math" panose="02040503050406030204" pitchFamily="18" charset="0"/>
+                                                  </a:rPr>
+                                                  <m:t>𝑡</m:t>
+                                                </m:r>
+                                              </m:e>
+                                            </m:d>
                                           </m:e>
-                                        </m:d>
+                                        </m:groupChr>
                                       </m:e>
-                                    </m:groupChr>
+                                      <m:e/>
+                                    </m:eqArr>
                                   </m:e>
                                   <m:lim>
                                     <m:r>
@@ -27665,7 +27680,7 @@
             </p:txBody>
           </p:sp>
         </mc:Choice>
-        <mc:Fallback xmlns="">
+        <mc:Fallback>
           <p:sp>
             <p:nvSpPr>
               <p:cNvPr id="34" name="Content Placeholder 2">
@@ -27683,7 +27698,7 @@
             <p:spPr>
               <a:xfrm>
                 <a:off x="247650" y="2035175"/>
-                <a:ext cx="4150995" cy="712311"/>
+                <a:ext cx="4150995" cy="873252"/>
               </a:xfrm>
               <a:prstGeom prst="rect">
                 <a:avLst/>
@@ -27691,7 +27706,7 @@
               <a:blipFill>
                 <a:blip r:embed="rId4"/>
                 <a:stretch>
-                  <a:fillRect/>
+                  <a:fillRect t="-5797" b="-8696"/>
                 </a:stretch>
               </a:blipFill>
             </p:spPr>
@@ -27700,7 +27715,7 @@
               <a:lstStyle/>
               <a:p>
                 <a:r>
-                  <a:rPr lang="zh-CN" altLang="en-US">
+                  <a:rPr lang="en-US">
                     <a:noFill/>
                   </a:rPr>
                   <a:t> </a:t>

--- a/lecture notes/from Modeling to Continuous-time LQ/powerpoint_handouts (work in progress)/06-State-Space Dynamic System Models (imcmp-handout-dark) - pub.pptx
+++ b/lecture notes/from Modeling to Continuous-time LQ/powerpoint_handouts (work in progress)/06-State-Space Dynamic System Models (imcmp-handout-dark) - pub.pptx
@@ -907,7 +907,7 @@
           <a:p>
             <a:fld id="{1D8BD707-D9CF-40AE-B4C6-C98DA3205C09}" type="datetimeFigureOut">
               <a:rPr lang="en-US"/>
-              <a:t>9/19/25</a:t>
+              <a:t>10/21/25</a:t>
             </a:fld>
             <a:endParaRPr lang="en-US"/>
           </a:p>
@@ -1163,7 +1163,7 @@
           <a:p>
             <a:fld id="{1D8BD707-D9CF-40AE-B4C6-C98DA3205C09}" type="datetimeFigureOut">
               <a:rPr lang="en-US"/>
-              <a:t>9/19/25</a:t>
+              <a:t>10/21/25</a:t>
             </a:fld>
             <a:endParaRPr lang="en-US"/>
           </a:p>
@@ -1456,7 +1456,7 @@
           <a:p>
             <a:fld id="{1D8BD707-D9CF-40AE-B4C6-C98DA3205C09}" type="datetimeFigureOut">
               <a:rPr lang="en-US"/>
-              <a:t>9/19/25</a:t>
+              <a:t>10/21/25</a:t>
             </a:fld>
             <a:endParaRPr lang="en-US"/>
           </a:p>
@@ -1683,7 +1683,7 @@
           <a:p>
             <a:fld id="{1D8BD707-D9CF-40AE-B4C6-C98DA3205C09}" type="datetimeFigureOut">
               <a:rPr lang="en-US"/>
-              <a:t>9/19/25</a:t>
+              <a:t>10/21/25</a:t>
             </a:fld>
             <a:endParaRPr lang="en-US"/>
           </a:p>
@@ -1939,7 +1939,7 @@
           <a:p>
             <a:fld id="{1D8BD707-D9CF-40AE-B4C6-C98DA3205C09}" type="datetimeFigureOut">
               <a:rPr lang="en-US"/>
-              <a:t>9/19/25</a:t>
+              <a:t>10/21/25</a:t>
             </a:fld>
             <a:endParaRPr lang="en-US"/>
           </a:p>
@@ -2343,7 +2343,7 @@
           <a:p>
             <a:fld id="{1D8BD707-D9CF-40AE-B4C6-C98DA3205C09}" type="datetimeFigureOut">
               <a:rPr lang="en-US"/>
-              <a:t>9/19/25</a:t>
+              <a:t>10/21/25</a:t>
             </a:fld>
             <a:endParaRPr lang="en-US"/>
           </a:p>
@@ -2840,166 +2840,6 @@
       </p:sp>
       <p:sp>
         <p:nvSpPr>
-          <p:cNvPr id="4" name="object 4"/>
-          <p:cNvSpPr txBox="1">
-            <a:spLocks noGrp="1"/>
-          </p:cNvSpPr>
-          <p:nvPr>
-            <p:ph type="ftr" sz="quarter" idx="5"/>
-          </p:nvPr>
-        </p:nvSpPr>
-        <p:spPr>
-          <a:prstGeom prst="rect">
-            <a:avLst/>
-          </a:prstGeom>
-        </p:spPr>
-        <p:txBody>
-          <a:bodyPr vert="horz" wrap="square" lIns="0" tIns="24130" rIns="0" bIns="0" rtlCol="0">
-            <a:spAutoFit/>
-          </a:bodyPr>
-          <a:lstStyle/>
-          <a:p>
-            <a:pPr marL="12700">
-              <a:lnSpc>
-                <a:spcPct val="100000"/>
-              </a:lnSpc>
-              <a:spcBef>
-                <a:spcPts val="190"/>
-              </a:spcBef>
-            </a:pPr>
-            <a:r>
-              <a:rPr dirty="0"/>
-              <a:t>Mod</a:t>
-            </a:r>
-            <a:r>
-              <a:rPr spc="80" dirty="0"/>
-              <a:t> </a:t>
-            </a:r>
-            <a:r>
-              <a:rPr dirty="0"/>
-              <a:t>Ctrl</a:t>
-            </a:r>
-            <a:r>
-              <a:rPr spc="75" dirty="0"/>
-              <a:t> </a:t>
-            </a:r>
-            <a:r>
-              <a:rPr dirty="0"/>
-              <a:t>Intro</a:t>
-            </a:r>
-            <a:r>
-              <a:rPr spc="320" dirty="0"/>
-              <a:t> </a:t>
-            </a:r>
-            <a:r>
-              <a:rPr dirty="0"/>
-              <a:t>(w</a:t>
-            </a:r>
-            <a:r>
-              <a:rPr spc="75" dirty="0"/>
-              <a:t> </a:t>
-            </a:r>
-            <a:r>
-              <a:rPr dirty="0"/>
-              <a:t>Matlab</a:t>
-            </a:r>
-            <a:r>
-              <a:rPr spc="80" dirty="0"/>
-              <a:t> &amp;</a:t>
-            </a:r>
-            <a:r>
-              <a:rPr spc="75" dirty="0"/>
-              <a:t> </a:t>
-            </a:r>
-            <a:r>
-              <a:rPr spc="-10" dirty="0"/>
-              <a:t>Python)</a:t>
-            </a:r>
-          </a:p>
-        </p:txBody>
-      </p:sp>
-      <p:sp>
-        <p:nvSpPr>
-          <p:cNvPr id="5" name="object 5"/>
-          <p:cNvSpPr txBox="1"/>
-          <p:nvPr/>
-        </p:nvSpPr>
-        <p:spPr>
-          <a:xfrm>
-            <a:off x="1870697" y="3322038"/>
-            <a:ext cx="866775" cy="137160"/>
-          </a:xfrm>
-          <a:prstGeom prst="rect">
-            <a:avLst/>
-          </a:prstGeom>
-        </p:spPr>
-        <p:txBody>
-          <a:bodyPr vert="horz" wrap="square" lIns="0" tIns="24130" rIns="0" bIns="0" rtlCol="0">
-            <a:spAutoFit/>
-          </a:bodyPr>
-          <a:lstStyle/>
-          <a:p>
-            <a:pPr marL="12700">
-              <a:lnSpc>
-                <a:spcPct val="100000"/>
-              </a:lnSpc>
-              <a:spcBef>
-                <a:spcPts val="190"/>
-              </a:spcBef>
-            </a:pPr>
-            <a:r>
-              <a:rPr sz="600" spc="-20" dirty="0">
-                <a:solidFill>
-                  <a:srgbClr val="BF457D"/>
-                </a:solidFill>
-                <a:latin typeface="Arial"/>
-                <a:cs typeface="Arial"/>
-                <a:hlinkClick r:id="rId2" action="ppaction://hlinksldjump"/>
-              </a:rPr>
-              <a:t>State-</a:t>
-            </a:r>
-            <a:r>
-              <a:rPr sz="600" spc="-10" dirty="0">
-                <a:solidFill>
-                  <a:srgbClr val="BF457D"/>
-                </a:solidFill>
-                <a:latin typeface="Arial"/>
-                <a:cs typeface="Arial"/>
-                <a:hlinkClick r:id="rId2" action="ppaction://hlinksldjump"/>
-              </a:rPr>
-              <a:t>Space</a:t>
-            </a:r>
-            <a:r>
-              <a:rPr sz="600" spc="40" dirty="0">
-                <a:solidFill>
-                  <a:srgbClr val="BF457D"/>
-                </a:solidFill>
-                <a:latin typeface="Arial"/>
-                <a:cs typeface="Arial"/>
-                <a:hlinkClick r:id="rId2" action="ppaction://hlinksldjump"/>
-              </a:rPr>
-              <a:t> </a:t>
-            </a:r>
-            <a:r>
-              <a:rPr sz="600" spc="-10" dirty="0">
-                <a:solidFill>
-                  <a:srgbClr val="BF457D"/>
-                </a:solidFill>
-                <a:latin typeface="Arial"/>
-                <a:cs typeface="Arial"/>
-                <a:hlinkClick r:id="rId2" action="ppaction://hlinksldjump"/>
-              </a:rPr>
-              <a:t>Introduction</a:t>
-            </a:r>
-            <a:endParaRPr sz="600">
-              <a:latin typeface="Arial"/>
-              <a:cs typeface="Arial"/>
-            </a:endParaRPr>
-          </a:p>
-        </p:txBody>
-      </p:sp>
-      <p:sp>
-        <p:nvSpPr>
           <p:cNvPr id="6" name="object 6"/>
           <p:cNvSpPr txBox="1">
             <a:spLocks noGrp="1"/>
@@ -3047,6 +2887,105 @@
               <a:rPr spc="-25" dirty="0"/>
               <a:t>12</a:t>
             </a:r>
+          </a:p>
+        </p:txBody>
+      </p:sp>
+      <p:sp>
+        <p:nvSpPr>
+          <p:cNvPr id="7" name="object 4">
+            <a:extLst>
+              <a:ext uri="{FF2B5EF4-FFF2-40B4-BE49-F238E27FC236}">
+                <a16:creationId xmlns:a16="http://schemas.microsoft.com/office/drawing/2014/main" id="{9CB21F40-5923-159C-AD60-120B56402A40}"/>
+              </a:ext>
+            </a:extLst>
+          </p:cNvPr>
+          <p:cNvSpPr txBox="1">
+            <a:spLocks noGrp="1"/>
+          </p:cNvSpPr>
+          <p:nvPr>
+            <p:ph type="ftr" sz="quarter" idx="5"/>
+          </p:nvPr>
+        </p:nvSpPr>
+        <p:spPr>
+          <a:xfrm>
+            <a:off x="0" y="3322038"/>
+            <a:ext cx="1972562" cy="116699"/>
+          </a:xfrm>
+          <a:prstGeom prst="rect">
+            <a:avLst/>
+          </a:prstGeom>
+        </p:spPr>
+        <p:txBody>
+          <a:bodyPr vert="horz" wrap="square" lIns="0" tIns="24130" rIns="0" bIns="0" rtlCol="0">
+            <a:spAutoFit/>
+          </a:bodyPr>
+          <a:lstStyle/>
+          <a:p>
+            <a:pPr marL="12700">
+              <a:lnSpc>
+                <a:spcPct val="100000"/>
+              </a:lnSpc>
+              <a:spcBef>
+                <a:spcPts val="190"/>
+              </a:spcBef>
+            </a:pPr>
+            <a:r>
+              <a:rPr dirty="0"/>
+              <a:t>Mod</a:t>
+            </a:r>
+            <a:r>
+              <a:rPr spc="80" dirty="0"/>
+              <a:t> </a:t>
+            </a:r>
+            <a:r>
+              <a:rPr dirty="0"/>
+              <a:t>Ctrl</a:t>
+            </a:r>
+            <a:r>
+              <a:rPr spc="75" dirty="0"/>
+              <a:t> </a:t>
+            </a:r>
+            <a:r>
+              <a:rPr dirty="0"/>
+              <a:t>Intro</a:t>
+            </a:r>
+            <a:r>
+              <a:rPr spc="320" dirty="0"/>
+              <a:t> </a:t>
+            </a:r>
+            <a:r>
+              <a:rPr dirty="0"/>
+              <a:t>(w</a:t>
+            </a:r>
+            <a:r>
+              <a:rPr spc="75" dirty="0"/>
+              <a:t> </a:t>
+            </a:r>
+            <a:r>
+              <a:rPr dirty="0"/>
+              <a:t>Matlab</a:t>
+            </a:r>
+            <a:r>
+              <a:rPr spc="80" dirty="0"/>
+              <a:t> &amp;</a:t>
+            </a:r>
+            <a:r>
+              <a:rPr spc="75" dirty="0"/>
+              <a:t> </a:t>
+            </a:r>
+            <a:r>
+              <a:rPr spc="-10" dirty="0"/>
+              <a:t>Python)</a:t>
+            </a:r>
+            <a:r>
+              <a:rPr lang="en-US" spc="-10" dirty="0"/>
+              <a:t>, Chen &amp; </a:t>
+            </a:r>
+            <a:r>
+              <a:rPr lang="en-US" spc="-10" dirty="0" err="1"/>
+              <a:t>Tomizuka</a:t>
+            </a:r>
+            <a:endParaRPr spc="-10" dirty="0"/>
           </a:p>
         </p:txBody>
       </p:sp>
@@ -4755,8 +4694,8 @@
           </a:p>
         </p:txBody>
       </p:sp>
-      <mc:AlternateContent xmlns:mc="http://schemas.openxmlformats.org/markup-compatibility/2006">
-        <mc:Choice xmlns:a14="http://schemas.microsoft.com/office/drawing/2010/main" Requires="a14">
+      <mc:AlternateContent xmlns:mc="http://schemas.openxmlformats.org/markup-compatibility/2006" xmlns:a14="http://schemas.microsoft.com/office/drawing/2010/main">
+        <mc:Choice Requires="a14">
           <p:sp>
             <p:nvSpPr>
               <p:cNvPr id="17" name="Content Placeholder 2">
@@ -5912,7 +5851,7 @@
             </p:txBody>
           </p:sp>
         </mc:Choice>
-        <mc:Fallback>
+        <mc:Fallback xmlns="">
           <p:sp>
             <p:nvSpPr>
               <p:cNvPr id="17" name="Content Placeholder 2">
@@ -27225,8 +27164,8 @@
           </a:p>
         </p:txBody>
       </p:sp>
-      <mc:AlternateContent xmlns:mc="http://schemas.openxmlformats.org/markup-compatibility/2006">
-        <mc:Choice xmlns:a14="http://schemas.microsoft.com/office/drawing/2010/main" Requires="a14">
+      <mc:AlternateContent xmlns:mc="http://schemas.openxmlformats.org/markup-compatibility/2006" xmlns:a14="http://schemas.microsoft.com/office/drawing/2010/main">
+        <mc:Choice Requires="a14">
           <p:sp>
             <p:nvSpPr>
               <p:cNvPr id="34" name="Content Placeholder 2">
@@ -27680,7 +27619,7 @@
             </p:txBody>
           </p:sp>
         </mc:Choice>
-        <mc:Fallback>
+        <mc:Fallback xmlns="">
           <p:sp>
             <p:nvSpPr>
               <p:cNvPr id="34" name="Content Placeholder 2">
